--- a/report/进展 5.20.pptx
+++ b/report/进展 5.20.pptx
@@ -4079,6 +4079,30 @@
             <a:r>
               <a:rPr lang="zh-CN" altLang="en-US" dirty="0"/>
               <a:t>完成基本的线程窃取模块，以及基础版本的调度算法实现。</a:t>
+            </a:r>
+            <a:endParaRPr lang="en-US" altLang="zh-CN" dirty="0"/>
+          </a:p>
+          <a:p>
+            <a:pPr lvl="1">
+              <a:lnSpc>
+                <a:spcPct val="150000"/>
+              </a:lnSpc>
+            </a:pPr>
+            <a:r>
+              <a:rPr lang="zh-CN" altLang="en-US" dirty="0"/>
+              <a:t>代码在分支 </a:t>
+            </a:r>
+            <a:r>
+              <a:rPr lang="en-US" altLang="zh-CN" dirty="0" err="1"/>
+              <a:t>loadbalance_new</a:t>
+            </a:r>
+            <a:r>
+              <a:rPr lang="en-US" altLang="zh-CN" dirty="0"/>
+              <a:t> </a:t>
+            </a:r>
+            <a:r>
+              <a:rPr lang="zh-CN" altLang="en-US"/>
+              <a:t>上</a:t>
             </a:r>
             <a:endParaRPr lang="en-US" altLang="zh-CN" dirty="0"/>
           </a:p>
